--- a/DOCUMENTACION/SALA #1 PROYECTO.pptx
+++ b/DOCUMENTACION/SALA #1 PROYECTO.pptx
@@ -4891,32 +4891,72 @@
           </a:p>
         </p:txBody>
       </p:sp>
+      <p:sp>
+        <p:nvSpPr>
+          <p:cNvPr id="4" name="TextBox 3">
+            <a:extLst>
+              <a:ext uri="{FF2B5EF4-FFF2-40B4-BE49-F238E27FC236}">
+                <a16:creationId xmlns:a16="http://schemas.microsoft.com/office/drawing/2014/main" id="{53FEB06F-E0CA-B53B-2939-D02CAE0996ED}"/>
+              </a:ext>
+            </a:extLst>
+          </p:cNvPr>
+          <p:cNvSpPr txBox="1"/>
+          <p:nvPr/>
+        </p:nvSpPr>
+        <p:spPr>
+          <a:xfrm>
+            <a:off x="1050879" y="1559541"/>
+            <a:ext cx="7258234" cy="369332"/>
+          </a:xfrm>
+          <a:prstGeom prst="rect">
+            <a:avLst/>
+          </a:prstGeom>
+          <a:noFill/>
+        </p:spPr>
+        <p:txBody>
+          <a:bodyPr wrap="square">
+            <a:spAutoFit/>
+          </a:bodyPr>
+          <a:lstStyle/>
+          <a:p>
+            <a:r>
+              <a:rPr lang="es-ES" dirty="0">
+                <a:hlinkClick r:id="rId2"/>
+              </a:rPr>
+              <a:t>https://github.com/Micha3lP/GRUPO---PROYECTO-GESTION</a:t>
+            </a:r>
+            <a:endParaRPr lang="es-EC" dirty="0"/>
+          </a:p>
+        </p:txBody>
+      </p:sp>
       <p:pic>
         <p:nvPicPr>
-          <p:cNvPr id="5" name="Marcador de contenido 4">
-            <a:extLst>
-              <a:ext uri="{FF2B5EF4-FFF2-40B4-BE49-F238E27FC236}">
-                <a16:creationId xmlns:a16="http://schemas.microsoft.com/office/drawing/2014/main" id="{1B27056C-97E6-9AA0-F69D-865CE308944A}"/>
+          <p:cNvPr id="12" name="Picture 11">
+            <a:extLst>
+              <a:ext uri="{FF2B5EF4-FFF2-40B4-BE49-F238E27FC236}">
+                <a16:creationId xmlns:a16="http://schemas.microsoft.com/office/drawing/2014/main" id="{E8508F38-D97D-2A76-A3FD-FB7FAD175618}"/>
               </a:ext>
             </a:extLst>
           </p:cNvPr>
           <p:cNvPicPr>
-            <a:picLocks noGrp="1" noChangeAspect="1"/>
+            <a:picLocks noChangeAspect="1"/>
           </p:cNvPicPr>
-          <p:nvPr>
-            <p:ph idx="1"/>
-          </p:nvPr>
+          <p:nvPr/>
         </p:nvPicPr>
-        <p:blipFill rotWithShape="1">
-          <a:blip r:embed="rId2"/>
-          <a:srcRect t="8413" b="43415"/>
-          <a:stretch/>
+        <p:blipFill>
+          <a:blip r:embed="rId3"/>
+          <a:stretch>
+            <a:fillRect/>
+          </a:stretch>
         </p:blipFill>
         <p:spPr>
           <a:xfrm>
-            <a:off x="837045" y="2401453"/>
-            <a:ext cx="10936472" cy="2963431"/>
+            <a:off x="2468607" y="2077093"/>
+            <a:ext cx="7254785" cy="4171306"/>
           </a:xfrm>
+          <a:prstGeom prst="rect">
+            <a:avLst/>
+          </a:prstGeom>
         </p:spPr>
       </p:pic>
     </p:spTree>
